--- a/docs/diagrams/CalendarClassDiagram.pptx
+++ b/docs/diagrams/CalendarClassDiagram.pptx
@@ -5028,6 +5028,212 @@
                 <a:srgbClr val="7030A0"/>
               </a:solidFill>
             </a:endParaRPr>
+          </a:p>
+        </p:txBody>
+      </p:sp>
+      <p:cxnSp>
+        <p:nvCxnSpPr>
+          <p:cNvPr id="33" name="Straight Arrow Connector 32">
+            <a:extLst>
+              <a:ext uri="{FF2B5EF4-FFF2-40B4-BE49-F238E27FC236}">
+                <a16:creationId xmlns:a16="http://schemas.microsoft.com/office/drawing/2014/main" id="{AA163549-434D-47F1-80A3-3BF7F042DF80}"/>
+              </a:ext>
+            </a:extLst>
+          </p:cNvPr>
+          <p:cNvCxnSpPr>
+            <a:cxnSpLocks/>
+          </p:cNvCxnSpPr>
+          <p:nvPr/>
+        </p:nvCxnSpPr>
+        <p:spPr>
+          <a:xfrm rot="16200000" flipV="1">
+            <a:off x="5563616" y="2380425"/>
+            <a:ext cx="324445" cy="265274"/>
+          </a:xfrm>
+          <a:prstGeom prst="bentConnector3">
+            <a:avLst>
+              <a:gd name="adj1" fmla="val 3027"/>
+            </a:avLst>
+          </a:prstGeom>
+          <a:ln w="19050">
+            <a:solidFill>
+              <a:srgbClr val="7030A0"/>
+            </a:solidFill>
+            <a:headEnd type="none" w="med" len="med"/>
+            <a:tailEnd type="arrow" w="med" len="med"/>
+          </a:ln>
+          <a:effectLst/>
+        </p:spPr>
+        <p:style>
+          <a:lnRef idx="1">
+            <a:schemeClr val="accent2"/>
+          </a:lnRef>
+          <a:fillRef idx="2">
+            <a:schemeClr val="accent2"/>
+          </a:fillRef>
+          <a:effectRef idx="1">
+            <a:schemeClr val="accent2"/>
+          </a:effectRef>
+          <a:fontRef idx="minor">
+            <a:schemeClr val="dk1"/>
+          </a:fontRef>
+        </p:style>
+      </p:cxnSp>
+      <p:sp>
+        <p:nvSpPr>
+          <p:cNvPr id="34" name="TextBox 33">
+            <a:extLst>
+              <a:ext uri="{FF2B5EF4-FFF2-40B4-BE49-F238E27FC236}">
+                <a16:creationId xmlns:a16="http://schemas.microsoft.com/office/drawing/2014/main" id="{4DA5BEBA-E916-4D07-A32E-5819E29CAA57}"/>
+              </a:ext>
+            </a:extLst>
+          </p:cNvPr>
+          <p:cNvSpPr txBox="1"/>
+          <p:nvPr/>
+        </p:nvSpPr>
+        <p:spPr>
+          <a:xfrm>
+            <a:off x="5386648" y="2408028"/>
+            <a:ext cx="189257" cy="178683"/>
+          </a:xfrm>
+          <a:prstGeom prst="rect">
+            <a:avLst/>
+          </a:prstGeom>
+          <a:noFill/>
+        </p:spPr>
+        <p:txBody>
+          <a:bodyPr wrap="square" lIns="0" tIns="0" rIns="0" bIns="0" rtlCol="0">
+            <a:noAutofit/>
+          </a:bodyPr>
+          <a:lstStyle/>
+          <a:p>
+            <a:pPr algn="ctr"/>
+            <a:r>
+              <a:rPr lang="en-US" sz="1100" dirty="0">
+                <a:solidFill>
+                  <a:srgbClr val="7030A0"/>
+                </a:solidFill>
+              </a:rPr>
+              <a:t>*</a:t>
+            </a:r>
+            <a:endParaRPr lang="en-SG" sz="1100" dirty="0">
+              <a:solidFill>
+                <a:srgbClr val="7030A0"/>
+              </a:solidFill>
+            </a:endParaRPr>
+          </a:p>
+        </p:txBody>
+      </p:sp>
+      <p:sp>
+        <p:nvSpPr>
+          <p:cNvPr id="35" name="Rectangle 8">
+            <a:extLst>
+              <a:ext uri="{FF2B5EF4-FFF2-40B4-BE49-F238E27FC236}">
+                <a16:creationId xmlns:a16="http://schemas.microsoft.com/office/drawing/2014/main" id="{EA8AA997-D486-4983-8679-F9CE79A4CEF3}"/>
+              </a:ext>
+            </a:extLst>
+          </p:cNvPr>
+          <p:cNvSpPr/>
+          <p:nvPr/>
+        </p:nvSpPr>
+        <p:spPr>
+          <a:xfrm>
+            <a:off x="5045121" y="1994804"/>
+            <a:ext cx="1048569" cy="346760"/>
+          </a:xfrm>
+          <a:prstGeom prst="rect">
+            <a:avLst/>
+          </a:prstGeom>
+          <a:ln w="19050">
+            <a:solidFill>
+              <a:srgbClr val="7030A0"/>
+            </a:solidFill>
+          </a:ln>
+          <a:effectLst/>
+        </p:spPr>
+        <p:style>
+          <a:lnRef idx="1">
+            <a:schemeClr val="accent4"/>
+          </a:lnRef>
+          <a:fillRef idx="2">
+            <a:schemeClr val="accent4"/>
+          </a:fillRef>
+          <a:effectRef idx="1">
+            <a:schemeClr val="accent4"/>
+          </a:effectRef>
+          <a:fontRef idx="minor">
+            <a:schemeClr val="dk1"/>
+          </a:fontRef>
+        </p:style>
+        <p:txBody>
+          <a:bodyPr rtlCol="0" anchor="ctr"/>
+          <a:lstStyle/>
+          <a:p>
+            <a:pPr algn="ctr"/>
+            <a:r>
+              <a:rPr lang="en-US" sz="1050" dirty="0">
+                <a:solidFill>
+                  <a:srgbClr val="7030A0"/>
+                </a:solidFill>
+              </a:rPr>
+              <a:t>Person</a:t>
+            </a:r>
+            <a:endParaRPr lang="en-SG" sz="1050" dirty="0">
+              <a:solidFill>
+                <a:srgbClr val="7030A0"/>
+              </a:solidFill>
+            </a:endParaRPr>
+          </a:p>
+        </p:txBody>
+      </p:sp>
+      <p:sp>
+        <p:nvSpPr>
+          <p:cNvPr id="36" name="Flowchart: Decision 96">
+            <a:extLst>
+              <a:ext uri="{FF2B5EF4-FFF2-40B4-BE49-F238E27FC236}">
+                <a16:creationId xmlns:a16="http://schemas.microsoft.com/office/drawing/2014/main" id="{91EC3504-1567-4610-84B4-700A51C6C74D}"/>
+              </a:ext>
+            </a:extLst>
+          </p:cNvPr>
+          <p:cNvSpPr/>
+          <p:nvPr/>
+        </p:nvSpPr>
+        <p:spPr>
+          <a:xfrm rot="10800000">
+            <a:off x="5846161" y="2582191"/>
+            <a:ext cx="236048" cy="173380"/>
+          </a:xfrm>
+          <a:prstGeom prst="flowChartDecision">
+            <a:avLst/>
+          </a:prstGeom>
+          <a:noFill/>
+          <a:ln w="19050">
+            <a:solidFill>
+              <a:srgbClr val="7030A0"/>
+            </a:solidFill>
+          </a:ln>
+          <a:effectLst/>
+        </p:spPr>
+        <p:style>
+          <a:lnRef idx="1">
+            <a:schemeClr val="accent6"/>
+          </a:lnRef>
+          <a:fillRef idx="2">
+            <a:schemeClr val="accent6"/>
+          </a:fillRef>
+          <a:effectRef idx="1">
+            <a:schemeClr val="accent6"/>
+          </a:effectRef>
+          <a:fontRef idx="minor">
+            <a:schemeClr val="dk1"/>
+          </a:fontRef>
+        </p:style>
+        <p:txBody>
+          <a:bodyPr rtlCol="0" anchor="ctr"/>
+          <a:lstStyle/>
+          <a:p>
+            <a:pPr algn="ctr"/>
+            <a:endParaRPr lang="en-US" sz="1050"/>
           </a:p>
         </p:txBody>
       </p:sp>
